--- a/images/ppt/dg_failed-projects.pptx
+++ b/images/ppt/dg_failed-projects.pptx
@@ -158,6 +158,64 @@
             <a:effectLst/>
           </c:spPr>
           <c:invertIfNegative val="0"/>
+          <c:dLbls>
+            <c:spPr>
+              <a:noFill/>
+              <a:ln>
+                <a:noFill/>
+              </a:ln>
+              <a:effectLst/>
+            </c:spPr>
+            <c:txPr>
+              <a:bodyPr rot="0" spcFirstLastPara="1" vertOverflow="ellipsis" vert="horz" wrap="square" lIns="38100" tIns="19050" rIns="38100" bIns="19050" anchor="ctr" anchorCtr="1">
+                <a:spAutoFit/>
+              </a:bodyPr>
+              <a:lstStyle/>
+              <a:p>
+                <a:pPr>
+                  <a:defRPr sz="1197" b="0" i="0" u="none" strike="noStrike" kern="1200" baseline="0">
+                    <a:solidFill>
+                      <a:schemeClr val="tx1">
+                        <a:lumMod val="75000"/>
+                        <a:lumOff val="25000"/>
+                      </a:schemeClr>
+                    </a:solidFill>
+                    <a:latin typeface="CMU Serif" panose="02000603000000000000" pitchFamily="2" charset="0"/>
+                    <a:ea typeface="CMU Serif" panose="02000603000000000000" pitchFamily="2" charset="0"/>
+                    <a:cs typeface="CMU Serif" panose="02000603000000000000" pitchFamily="2" charset="0"/>
+                  </a:defRPr>
+                </a:pPr>
+                <a:endParaRPr lang="de-DE"/>
+              </a:p>
+            </c:txPr>
+            <c:showLegendKey val="0"/>
+            <c:showVal val="1"/>
+            <c:showCatName val="0"/>
+            <c:showSerName val="0"/>
+            <c:showPercent val="0"/>
+            <c:showBubbleSize val="0"/>
+            <c:showLeaderLines val="0"/>
+            <c:extLst>
+              <c:ext xmlns:c15="http://schemas.microsoft.com/office/drawing/2012/chart" uri="{CE6537A1-D6FC-4f65-9D91-7224C49458BB}">
+                <c15:layout/>
+                <c15:showLeaderLines val="1"/>
+                <c15:leaderLines>
+                  <c:spPr>
+                    <a:ln w="9525" cap="flat" cmpd="sng" algn="ctr">
+                      <a:solidFill>
+                        <a:schemeClr val="tx1">
+                          <a:lumMod val="35000"/>
+                          <a:lumOff val="65000"/>
+                        </a:schemeClr>
+                      </a:solidFill>
+                      <a:round/>
+                    </a:ln>
+                    <a:effectLst/>
+                  </c:spPr>
+                </c15:leaderLines>
+              </c:ext>
+            </c:extLst>
+          </c:dLbls>
           <c:cat>
             <c:strRef>
               <c:f>Tabelle1!$A$2:$A$5</c:f>
@@ -225,6 +283,64 @@
             <a:effectLst/>
           </c:spPr>
           <c:invertIfNegative val="0"/>
+          <c:dLbls>
+            <c:spPr>
+              <a:noFill/>
+              <a:ln>
+                <a:noFill/>
+              </a:ln>
+              <a:effectLst/>
+            </c:spPr>
+            <c:txPr>
+              <a:bodyPr rot="0" spcFirstLastPara="1" vertOverflow="ellipsis" vert="horz" wrap="square" lIns="38100" tIns="19050" rIns="38100" bIns="19050" anchor="ctr" anchorCtr="1">
+                <a:spAutoFit/>
+              </a:bodyPr>
+              <a:lstStyle/>
+              <a:p>
+                <a:pPr>
+                  <a:defRPr sz="1197" b="0" i="0" u="none" strike="noStrike" kern="1200" baseline="0">
+                    <a:solidFill>
+                      <a:schemeClr val="tx1">
+                        <a:lumMod val="75000"/>
+                        <a:lumOff val="25000"/>
+                      </a:schemeClr>
+                    </a:solidFill>
+                    <a:latin typeface="CMU Serif" panose="02000603000000000000" pitchFamily="2" charset="0"/>
+                    <a:ea typeface="CMU Serif" panose="02000603000000000000" pitchFamily="2" charset="0"/>
+                    <a:cs typeface="CMU Serif" panose="02000603000000000000" pitchFamily="2" charset="0"/>
+                  </a:defRPr>
+                </a:pPr>
+                <a:endParaRPr lang="de-DE"/>
+              </a:p>
+            </c:txPr>
+            <c:showLegendKey val="0"/>
+            <c:showVal val="1"/>
+            <c:showCatName val="0"/>
+            <c:showSerName val="0"/>
+            <c:showPercent val="0"/>
+            <c:showBubbleSize val="0"/>
+            <c:showLeaderLines val="0"/>
+            <c:extLst>
+              <c:ext xmlns:c15="http://schemas.microsoft.com/office/drawing/2012/chart" uri="{CE6537A1-D6FC-4f65-9D91-7224C49458BB}">
+                <c15:layout/>
+                <c15:showLeaderLines val="1"/>
+                <c15:leaderLines>
+                  <c:spPr>
+                    <a:ln w="9525" cap="flat" cmpd="sng" algn="ctr">
+                      <a:solidFill>
+                        <a:schemeClr val="tx1">
+                          <a:lumMod val="35000"/>
+                          <a:lumOff val="65000"/>
+                        </a:schemeClr>
+                      </a:solidFill>
+                      <a:round/>
+                    </a:ln>
+                    <a:effectLst/>
+                  </c:spPr>
+                </c15:leaderLines>
+              </c:ext>
+            </c:extLst>
+          </c:dLbls>
           <c:cat>
             <c:strRef>
               <c:f>Tabelle1!$A$2:$A$5</c:f>
@@ -292,6 +408,64 @@
             <a:effectLst/>
           </c:spPr>
           <c:invertIfNegative val="0"/>
+          <c:dLbls>
+            <c:spPr>
+              <a:noFill/>
+              <a:ln>
+                <a:noFill/>
+              </a:ln>
+              <a:effectLst/>
+            </c:spPr>
+            <c:txPr>
+              <a:bodyPr rot="0" spcFirstLastPara="1" vertOverflow="ellipsis" vert="horz" wrap="square" lIns="38100" tIns="19050" rIns="38100" bIns="19050" anchor="ctr" anchorCtr="1">
+                <a:spAutoFit/>
+              </a:bodyPr>
+              <a:lstStyle/>
+              <a:p>
+                <a:pPr>
+                  <a:defRPr sz="1197" b="0" i="0" u="none" strike="noStrike" kern="1200" baseline="0">
+                    <a:solidFill>
+                      <a:schemeClr val="tx1">
+                        <a:lumMod val="75000"/>
+                        <a:lumOff val="25000"/>
+                      </a:schemeClr>
+                    </a:solidFill>
+                    <a:latin typeface="CMU Serif" panose="02000603000000000000" pitchFamily="2" charset="0"/>
+                    <a:ea typeface="CMU Serif" panose="02000603000000000000" pitchFamily="2" charset="0"/>
+                    <a:cs typeface="CMU Serif" panose="02000603000000000000" pitchFamily="2" charset="0"/>
+                  </a:defRPr>
+                </a:pPr>
+                <a:endParaRPr lang="de-DE"/>
+              </a:p>
+            </c:txPr>
+            <c:showLegendKey val="0"/>
+            <c:showVal val="1"/>
+            <c:showCatName val="0"/>
+            <c:showSerName val="0"/>
+            <c:showPercent val="0"/>
+            <c:showBubbleSize val="0"/>
+            <c:showLeaderLines val="0"/>
+            <c:extLst>
+              <c:ext xmlns:c15="http://schemas.microsoft.com/office/drawing/2012/chart" uri="{CE6537A1-D6FC-4f65-9D91-7224C49458BB}">
+                <c15:layout/>
+                <c15:showLeaderLines val="1"/>
+                <c15:leaderLines>
+                  <c:spPr>
+                    <a:ln w="9525" cap="flat" cmpd="sng" algn="ctr">
+                      <a:solidFill>
+                        <a:schemeClr val="tx1">
+                          <a:lumMod val="35000"/>
+                          <a:lumOff val="65000"/>
+                        </a:schemeClr>
+                      </a:solidFill>
+                      <a:round/>
+                    </a:ln>
+                    <a:effectLst/>
+                  </c:spPr>
+                </c15:leaderLines>
+              </c:ext>
+            </c:extLst>
+          </c:dLbls>
           <c:cat>
             <c:strRef>
               <c:f>Tabelle1!$A$2:$A$5</c:f>
@@ -344,11 +518,11 @@
         </c:dLbls>
         <c:gapWidth val="150"/>
         <c:overlap val="100"/>
-        <c:axId val="227337368"/>
-        <c:axId val="227336192"/>
+        <c:axId val="315441488"/>
+        <c:axId val="315440704"/>
       </c:barChart>
       <c:catAx>
-        <c:axId val="227337368"/>
+        <c:axId val="315441488"/>
         <c:scaling>
           <c:orientation val="minMax"/>
         </c:scaling>
@@ -391,7 +565,7 @@
             <a:endParaRPr lang="de-DE"/>
           </a:p>
         </c:txPr>
-        <c:crossAx val="227336192"/>
+        <c:crossAx val="315440704"/>
         <c:crosses val="autoZero"/>
         <c:auto val="1"/>
         <c:lblAlgn val="ctr"/>
@@ -399,7 +573,7 @@
         <c:noMultiLvlLbl val="0"/>
       </c:catAx>
       <c:valAx>
-        <c:axId val="227336192"/>
+        <c:axId val="315440704"/>
         <c:scaling>
           <c:orientation val="minMax"/>
         </c:scaling>
@@ -450,7 +624,7 @@
             <a:endParaRPr lang="de-DE"/>
           </a:p>
         </c:txPr>
-        <c:crossAx val="227337368"/>
+        <c:crossAx val="315441488"/>
         <c:crosses val="autoZero"/>
         <c:crossBetween val="between"/>
       </c:valAx>
